--- a/Lecture05_DataCleaning/Lecture5_DataCleaning-ResearchDesign.pptx
+++ b/Lecture05_DataCleaning/Lecture5_DataCleaning-ResearchDesign.pptx
@@ -276,7 +276,7 @@
           <a:p>
             <a:fld id="{EF911157-0FC2-4F06-8D61-FD647FE4E19D}" type="datetimeFigureOut">
               <a:rPr lang="en-US" smtClean="0"/>
-              <a:t>8/6/2024</a:t>
+              <a:t>9/16/2024</a:t>
             </a:fld>
             <a:endParaRPr lang="en-US"/>
           </a:p>
@@ -4196,7 +4196,15 @@
           <a:p>
             <a:r>
               <a:rPr lang="en-US" dirty="0"/>
-              <a:t>In this case, the variation is bunching at the kink of the donut hole</a:t>
+              <a:t>In this case, the variation is bunching at the kink of the donut hole. Here we’re trying to move beyond </a:t>
+            </a:r>
+            <a:r>
+              <a:rPr lang="en-US"/>
+              <a:t>just summary stats and into the </a:t>
+            </a:r>
+            <a:r>
+              <a:rPr lang="en-US" dirty="0"/>
+              <a:t>key variation in your data (is it over time? Over geography? Over people?)</a:t>
             </a:r>
           </a:p>
         </p:txBody>
@@ -7325,7 +7333,7 @@
             <a:fld id="{0972D05C-DCFB-4BB6-B49C-AC126BF3ED2C}" type="datetimeFigureOut">
               <a:rPr lang="en-US" smtClean="0"/>
               <a:pPr/>
-              <a:t>8/6/2024</a:t>
+              <a:t>9/16/2024</a:t>
             </a:fld>
             <a:endParaRPr lang="en-US"/>
           </a:p>
@@ -7555,7 +7563,7 @@
             <a:fld id="{0972D05C-DCFB-4BB6-B49C-AC126BF3ED2C}" type="datetimeFigureOut">
               <a:rPr lang="en-US" smtClean="0"/>
               <a:pPr/>
-              <a:t>8/6/2024</a:t>
+              <a:t>9/16/2024</a:t>
             </a:fld>
             <a:endParaRPr lang="en-US"/>
           </a:p>
@@ -7737,7 +7745,7 @@
             <a:fld id="{0972D05C-DCFB-4BB6-B49C-AC126BF3ED2C}" type="datetimeFigureOut">
               <a:rPr lang="en-US" smtClean="0"/>
               <a:pPr/>
-              <a:t>8/6/2024</a:t>
+              <a:t>9/16/2024</a:t>
             </a:fld>
             <a:endParaRPr lang="en-US"/>
           </a:p>
@@ -7909,7 +7917,7 @@
             <a:fld id="{0972D05C-DCFB-4BB6-B49C-AC126BF3ED2C}" type="datetimeFigureOut">
               <a:rPr lang="en-US" smtClean="0"/>
               <a:pPr/>
-              <a:t>8/6/2024</a:t>
+              <a:t>9/16/2024</a:t>
             </a:fld>
             <a:endParaRPr lang="en-US"/>
           </a:p>
@@ -8165,7 +8173,7 @@
             <a:fld id="{0972D05C-DCFB-4BB6-B49C-AC126BF3ED2C}" type="datetimeFigureOut">
               <a:rPr lang="en-US" smtClean="0"/>
               <a:pPr/>
-              <a:t>8/6/2024</a:t>
+              <a:t>9/16/2024</a:t>
             </a:fld>
             <a:endParaRPr lang="en-US"/>
           </a:p>
@@ -8493,7 +8501,7 @@
             <a:fld id="{0972D05C-DCFB-4BB6-B49C-AC126BF3ED2C}" type="datetimeFigureOut">
               <a:rPr lang="en-US" smtClean="0"/>
               <a:pPr/>
-              <a:t>8/6/2024</a:t>
+              <a:t>9/16/2024</a:t>
             </a:fld>
             <a:endParaRPr lang="en-US"/>
           </a:p>
@@ -8946,7 +8954,7 @@
             <a:fld id="{0972D05C-DCFB-4BB6-B49C-AC126BF3ED2C}" type="datetimeFigureOut">
               <a:rPr lang="en-US" smtClean="0"/>
               <a:pPr/>
-              <a:t>8/6/2024</a:t>
+              <a:t>9/16/2024</a:t>
             </a:fld>
             <a:endParaRPr lang="en-US"/>
           </a:p>
@@ -9066,7 +9074,7 @@
             <a:fld id="{0972D05C-DCFB-4BB6-B49C-AC126BF3ED2C}" type="datetimeFigureOut">
               <a:rPr lang="en-US" smtClean="0"/>
               <a:pPr/>
-              <a:t>8/6/2024</a:t>
+              <a:t>9/16/2024</a:t>
             </a:fld>
             <a:endParaRPr lang="en-US"/>
           </a:p>
@@ -9163,7 +9171,7 @@
             <a:fld id="{0972D05C-DCFB-4BB6-B49C-AC126BF3ED2C}" type="datetimeFigureOut">
               <a:rPr lang="en-US" smtClean="0"/>
               <a:pPr/>
-              <a:t>8/6/2024</a:t>
+              <a:t>9/16/2024</a:t>
             </a:fld>
             <a:endParaRPr lang="en-US"/>
           </a:p>
@@ -9452,7 +9460,7 @@
             <a:fld id="{0972D05C-DCFB-4BB6-B49C-AC126BF3ED2C}" type="datetimeFigureOut">
               <a:rPr lang="en-US" smtClean="0"/>
               <a:pPr/>
-              <a:t>8/6/2024</a:t>
+              <a:t>9/16/2024</a:t>
             </a:fld>
             <a:endParaRPr lang="en-US"/>
           </a:p>
@@ -9776,7 +9784,7 @@
             <a:fld id="{0972D05C-DCFB-4BB6-B49C-AC126BF3ED2C}" type="datetimeFigureOut">
               <a:rPr lang="en-US" smtClean="0"/>
               <a:pPr/>
-              <a:t>8/6/2024</a:t>
+              <a:t>9/16/2024</a:t>
             </a:fld>
             <a:endParaRPr lang="en-US"/>
           </a:p>
@@ -10031,7 +10039,7 @@
             <a:fld id="{0972D05C-DCFB-4BB6-B49C-AC126BF3ED2C}" type="datetimeFigureOut">
               <a:rPr lang="en-US" smtClean="0"/>
               <a:pPr/>
-              <a:t>8/6/2024</a:t>
+              <a:t>9/16/2024</a:t>
             </a:fld>
             <a:endParaRPr lang="en-US" dirty="0"/>
           </a:p>
@@ -20382,8 +20390,8 @@
           </a:p>
         </p:txBody>
       </p:sp>
-      <mc:AlternateContent xmlns:mc="http://schemas.openxmlformats.org/markup-compatibility/2006">
-        <mc:Choice xmlns:a14="http://schemas.microsoft.com/office/drawing/2010/main" Requires="a14">
+      <mc:AlternateContent xmlns:mc="http://schemas.openxmlformats.org/markup-compatibility/2006" xmlns:a14="http://schemas.microsoft.com/office/drawing/2010/main">
+        <mc:Choice Requires="a14">
           <p:sp>
             <p:nvSpPr>
               <p:cNvPr id="3" name="Content Placeholder 2"/>
@@ -20474,7 +20482,7 @@
                     <m:sSub>
                       <m:sSubPr>
                         <m:ctrlPr>
-                          <a:rPr lang="en-US" sz="2600" b="0" i="0" smtClean="0">
+                          <a:rPr lang="en-US" sz="2600" b="0" i="1" smtClean="0">
                             <a:latin typeface="Cambria Math" panose="02040503050406030204" pitchFamily="18" charset="0"/>
                             <a:cs typeface="Times New Roman" panose="02020603050405020304" pitchFamily="18" charset="0"/>
                           </a:rPr>
@@ -20858,7 +20866,7 @@
             </p:txBody>
           </p:sp>
         </mc:Choice>
-        <mc:Fallback>
+        <mc:Fallback xmlns="">
           <p:sp>
             <p:nvSpPr>
               <p:cNvPr id="3" name="Content Placeholder 2"/>
@@ -21126,8 +21134,8 @@
           </a:p>
         </p:txBody>
       </p:sp>
-      <mc:AlternateContent xmlns:mc="http://schemas.openxmlformats.org/markup-compatibility/2006">
-        <mc:Choice xmlns:a14="http://schemas.microsoft.com/office/drawing/2010/main" Requires="a14">
+      <mc:AlternateContent xmlns:mc="http://schemas.openxmlformats.org/markup-compatibility/2006" xmlns:a14="http://schemas.microsoft.com/office/drawing/2010/main">
+        <mc:Choice Requires="a14">
           <p:sp>
             <p:nvSpPr>
               <p:cNvPr id="3" name="Content Placeholder 2"/>
@@ -21290,7 +21298,7 @@
             </p:txBody>
           </p:sp>
         </mc:Choice>
-        <mc:Fallback>
+        <mc:Fallback xmlns="">
           <p:sp>
             <p:nvSpPr>
               <p:cNvPr id="3" name="Content Placeholder 2"/>

--- a/Lecture05_DataCleaning/Lecture5_DataCleaning-ResearchDesign.pptx
+++ b/Lecture05_DataCleaning/Lecture5_DataCleaning-ResearchDesign.pptx
@@ -276,7 +276,7 @@
           <a:p>
             <a:fld id="{EF911157-0FC2-4F06-8D61-FD647FE4E19D}" type="datetimeFigureOut">
               <a:rPr lang="en-US" smtClean="0"/>
-              <a:t>9/16/2024</a:t>
+              <a:t>10/10/2024</a:t>
             </a:fld>
             <a:endParaRPr lang="en-US"/>
           </a:p>
@@ -596,7 +596,10 @@
               <a:buFont typeface="Arial" panose="020B0604020202020204" pitchFamily="34" charset="0"/>
               <a:buNone/>
             </a:pPr>
-            <a:endParaRPr lang="en-US" dirty="0"/>
+            <a:r>
+              <a:rPr lang="en-US" dirty="0"/>
+              <a:t>What do you do if you don’t have a question? Read through the data dictionaries here, then do some descriptive work! </a:t>
+            </a:r>
           </a:p>
         </p:txBody>
       </p:sp>
@@ -2892,6 +2895,44 @@
           <a:bodyPr/>
           <a:lstStyle/>
           <a:p>
+            <a:r>
+              <a:rPr lang="en-US" dirty="0"/>
+              <a:t>Logistic notes: </a:t>
+            </a:r>
+          </a:p>
+          <a:p>
+            <a:pPr marL="171450" indent="-171450">
+              <a:buFont typeface="Arial" panose="020B0604020202020204" pitchFamily="34" charset="0"/>
+              <a:buChar char="•"/>
+            </a:pPr>
+            <a:r>
+              <a:rPr lang="en-US" dirty="0"/>
+              <a:t>don’t worry about citing packages or the AI appendix in your assignments (do worry about these for referee reports and final paper)</a:t>
+            </a:r>
+          </a:p>
+          <a:p>
+            <a:pPr marL="171450" indent="-171450">
+              <a:buFont typeface="Arial" panose="020B0604020202020204" pitchFamily="34" charset="0"/>
+              <a:buChar char="•"/>
+            </a:pPr>
+            <a:r>
+              <a:rPr lang="en-US" dirty="0"/>
+              <a:t>I have uploaded a sample referee report to </a:t>
+            </a:r>
+            <a:r>
+              <a:rPr lang="en-US" dirty="0" err="1"/>
+              <a:t>Github</a:t>
+            </a:r>
+            <a:r>
+              <a:rPr lang="en-US" dirty="0"/>
+              <a:t> – note that your research question + teams are due in two weeks (with an outline due two weeks after that), so you should commit by then to one of the two options</a:t>
+            </a:r>
+          </a:p>
+          <a:p>
+            <a:pPr marL="171450" indent="-171450">
+              <a:buFont typeface="Arial" panose="020B0604020202020204" pitchFamily="34" charset="0"/>
+              <a:buChar char="•"/>
+            </a:pPr>
             <a:endParaRPr lang="en-US" dirty="0"/>
           </a:p>
         </p:txBody>
@@ -3715,7 +3756,95 @@
           <a:p>
             <a:r>
               <a:rPr lang="en-US" dirty="0"/>
-              <a:t>Watch part 3 for sure, maybe also part 2?</a:t>
+              <a:t>Thoughts? Some of my notes from this time around (not as huge a fan as the remix of the remix): </a:t>
+            </a:r>
+          </a:p>
+          <a:p>
+            <a:pPr marL="171450" indent="-171450">
+              <a:buFont typeface="Arial" panose="020B0604020202020204" pitchFamily="34" charset="0"/>
+              <a:buChar char="•"/>
+            </a:pPr>
+            <a:r>
+              <a:rPr lang="en-US" dirty="0"/>
+              <a:t>Part 1 (hip-hop and rap) Bass lines have been sampled hundreds of time – what does this mean? (write in the same language as prominent papers, use same robustness checks, don’t reinvent the wheel)</a:t>
+            </a:r>
+          </a:p>
+          <a:p>
+            <a:pPr marL="171450" indent="-171450">
+              <a:buFont typeface="Arial" panose="020B0604020202020204" pitchFamily="34" charset="0"/>
+              <a:buChar char="•"/>
+            </a:pPr>
+            <a:r>
+              <a:rPr lang="en-US" dirty="0"/>
+              <a:t>Lol to a whole new way to refer to “sampling” in this class</a:t>
+            </a:r>
+          </a:p>
+          <a:p>
+            <a:pPr marL="171450" indent="-171450">
+              <a:buFont typeface="Arial" panose="020B0604020202020204" pitchFamily="34" charset="0"/>
+              <a:buChar char="•"/>
+            </a:pPr>
+            <a:r>
+              <a:rPr lang="en-US" dirty="0"/>
+              <a:t>Remixing may seem like copying, but it’s actually something much more – it can empower you to be more creative. </a:t>
+            </a:r>
+          </a:p>
+          <a:p>
+            <a:pPr marL="171450" indent="-171450">
+              <a:buFont typeface="Arial" panose="020B0604020202020204" pitchFamily="34" charset="0"/>
+              <a:buChar char="•"/>
+            </a:pPr>
+            <a:r>
+              <a:rPr lang="en-US" dirty="0"/>
+              <a:t>But what is the difference between remixing and copying? “more of the same but different” – there is value in being familiar (but answering new questions, or the same questions with new ways). We don’t need to reinvent the wheel (monomyth). </a:t>
+            </a:r>
+          </a:p>
+          <a:p>
+            <a:pPr marL="171450" indent="-171450">
+              <a:buFont typeface="Arial" panose="020B0604020202020204" pitchFamily="34" charset="0"/>
+              <a:buChar char="•"/>
+            </a:pPr>
+            <a:r>
+              <a:rPr lang="en-US" dirty="0"/>
+              <a:t>What’s the monomyth for us? A good question + good data + good literature + good methods + good robustness checks. All written in the right package/style.</a:t>
+            </a:r>
+          </a:p>
+          <a:p>
+            <a:pPr marL="171450" indent="-171450">
+              <a:buFont typeface="Arial" panose="020B0604020202020204" pitchFamily="34" charset="0"/>
+              <a:buChar char="•"/>
+            </a:pPr>
+            <a:r>
+              <a:rPr lang="en-US" dirty="0"/>
+              <a:t>Part 2 (movies): borrowing from outside your genre – what field are you writing in? What methods from adjacent fields can you take (econ is great at this, in some ways). Into the </a:t>
+            </a:r>
+            <a:r>
+              <a:rPr lang="en-US" dirty="0" err="1"/>
+              <a:t>Spiderverse</a:t>
+            </a:r>
+            <a:r>
+              <a:rPr lang="en-US" dirty="0"/>
+              <a:t> was a good example (what’s original here? The combination of a lot of things!) </a:t>
+            </a:r>
+          </a:p>
+          <a:p>
+            <a:pPr marL="171450" indent="-171450">
+              <a:buFont typeface="Arial" panose="020B0604020202020204" pitchFamily="34" charset="0"/>
+              <a:buChar char="•"/>
+            </a:pPr>
+            <a:r>
+              <a:rPr lang="en-US" dirty="0"/>
+              <a:t>Watching the beginning of part 3 if possible might be good. (copy [apple] + combine [ford, printing press] + transform)</a:t>
+            </a:r>
+          </a:p>
+          <a:p>
+            <a:pPr marL="171450" indent="-171450">
+              <a:buFont typeface="Arial" panose="020B0604020202020204" pitchFamily="34" charset="0"/>
+              <a:buChar char="•"/>
+            </a:pPr>
+            <a:r>
+              <a:rPr lang="en-US" dirty="0"/>
+              <a:t>I miss the star wars bit! Can watch it here if interested.</a:t>
             </a:r>
           </a:p>
         </p:txBody>
@@ -4060,23 +4189,7 @@
           <a:p>
             <a:r>
               <a:rPr lang="en-US" dirty="0"/>
-              <a:t>See “Mere description” in </a:t>
-            </a:r>
-            <a:r>
-              <a:rPr lang="en-US"/>
-              <a:t>the folder. Even </a:t>
-            </a:r>
-            <a:r>
-              <a:rPr lang="en-US" dirty="0"/>
-              <a:t>though we’re after a causal pathway, a solid set of descriptive stats (or better, a </a:t>
-            </a:r>
-            <a:r>
-              <a:rPr lang="en-US" dirty="0" err="1"/>
-              <a:t>singl</a:t>
-            </a:r>
-            <a:r>
-              <a:rPr lang="en-US" dirty="0"/>
-              <a:t> descriptive figure that tells your story) helps you to sell your work before it begins. By </a:t>
+              <a:t>See “Mere description” in the folder. Even though we’re after a causal pathway, a solid set of descriptive stats (or better, a single descriptive figure that tells your story) helps you to sell your work before it begins. By </a:t>
             </a:r>
             <a:r>
               <a:rPr lang="en-US" dirty="0" err="1"/>
@@ -6136,10 +6249,7 @@
           <a:bodyPr/>
           <a:lstStyle/>
           <a:p>
-            <a:r>
-              <a:rPr lang="en-US" dirty="0"/>
-              <a:t>Some people say synthetic control, but I like the plural – reminds me of the construction of the control group</a:t>
-            </a:r>
+            <a:endParaRPr lang="en-US" dirty="0"/>
           </a:p>
         </p:txBody>
       </p:sp>
@@ -6690,6 +6800,17 @@
               <a:rPr lang="en-US" dirty="0"/>
               <a:t>If there’s time, data storytelling ted talks (probably will have to skip). Start with #1 if time. </a:t>
             </a:r>
+          </a:p>
+          <a:p>
+            <a:r>
+              <a:rPr lang="en-US" dirty="0"/>
+              <a:t>* Ideas should be simple, and you should focus on one. People think I do this, </a:t>
+            </a:r>
+            <a:r>
+              <a:rPr lang="en-US"/>
+              <a:t>but really I do this (start at 6minutes)</a:t>
+            </a:r>
+            <a:endParaRPr lang="en-US" dirty="0"/>
           </a:p>
         </p:txBody>
       </p:sp>
@@ -7333,7 +7454,7 @@
             <a:fld id="{0972D05C-DCFB-4BB6-B49C-AC126BF3ED2C}" type="datetimeFigureOut">
               <a:rPr lang="en-US" smtClean="0"/>
               <a:pPr/>
-              <a:t>9/16/2024</a:t>
+              <a:t>10/10/2024</a:t>
             </a:fld>
             <a:endParaRPr lang="en-US"/>
           </a:p>
@@ -7563,7 +7684,7 @@
             <a:fld id="{0972D05C-DCFB-4BB6-B49C-AC126BF3ED2C}" type="datetimeFigureOut">
               <a:rPr lang="en-US" smtClean="0"/>
               <a:pPr/>
-              <a:t>9/16/2024</a:t>
+              <a:t>10/10/2024</a:t>
             </a:fld>
             <a:endParaRPr lang="en-US"/>
           </a:p>
@@ -7745,7 +7866,7 @@
             <a:fld id="{0972D05C-DCFB-4BB6-B49C-AC126BF3ED2C}" type="datetimeFigureOut">
               <a:rPr lang="en-US" smtClean="0"/>
               <a:pPr/>
-              <a:t>9/16/2024</a:t>
+              <a:t>10/10/2024</a:t>
             </a:fld>
             <a:endParaRPr lang="en-US"/>
           </a:p>
@@ -7917,7 +8038,7 @@
             <a:fld id="{0972D05C-DCFB-4BB6-B49C-AC126BF3ED2C}" type="datetimeFigureOut">
               <a:rPr lang="en-US" smtClean="0"/>
               <a:pPr/>
-              <a:t>9/16/2024</a:t>
+              <a:t>10/10/2024</a:t>
             </a:fld>
             <a:endParaRPr lang="en-US"/>
           </a:p>
@@ -8173,7 +8294,7 @@
             <a:fld id="{0972D05C-DCFB-4BB6-B49C-AC126BF3ED2C}" type="datetimeFigureOut">
               <a:rPr lang="en-US" smtClean="0"/>
               <a:pPr/>
-              <a:t>9/16/2024</a:t>
+              <a:t>10/10/2024</a:t>
             </a:fld>
             <a:endParaRPr lang="en-US"/>
           </a:p>
@@ -8501,7 +8622,7 @@
             <a:fld id="{0972D05C-DCFB-4BB6-B49C-AC126BF3ED2C}" type="datetimeFigureOut">
               <a:rPr lang="en-US" smtClean="0"/>
               <a:pPr/>
-              <a:t>9/16/2024</a:t>
+              <a:t>10/10/2024</a:t>
             </a:fld>
             <a:endParaRPr lang="en-US"/>
           </a:p>
@@ -8954,7 +9075,7 @@
             <a:fld id="{0972D05C-DCFB-4BB6-B49C-AC126BF3ED2C}" type="datetimeFigureOut">
               <a:rPr lang="en-US" smtClean="0"/>
               <a:pPr/>
-              <a:t>9/16/2024</a:t>
+              <a:t>10/10/2024</a:t>
             </a:fld>
             <a:endParaRPr lang="en-US"/>
           </a:p>
@@ -9074,7 +9195,7 @@
             <a:fld id="{0972D05C-DCFB-4BB6-B49C-AC126BF3ED2C}" type="datetimeFigureOut">
               <a:rPr lang="en-US" smtClean="0"/>
               <a:pPr/>
-              <a:t>9/16/2024</a:t>
+              <a:t>10/10/2024</a:t>
             </a:fld>
             <a:endParaRPr lang="en-US"/>
           </a:p>
@@ -9171,7 +9292,7 @@
             <a:fld id="{0972D05C-DCFB-4BB6-B49C-AC126BF3ED2C}" type="datetimeFigureOut">
               <a:rPr lang="en-US" smtClean="0"/>
               <a:pPr/>
-              <a:t>9/16/2024</a:t>
+              <a:t>10/10/2024</a:t>
             </a:fld>
             <a:endParaRPr lang="en-US"/>
           </a:p>
@@ -9460,7 +9581,7 @@
             <a:fld id="{0972D05C-DCFB-4BB6-B49C-AC126BF3ED2C}" type="datetimeFigureOut">
               <a:rPr lang="en-US" smtClean="0"/>
               <a:pPr/>
-              <a:t>9/16/2024</a:t>
+              <a:t>10/10/2024</a:t>
             </a:fld>
             <a:endParaRPr lang="en-US"/>
           </a:p>
@@ -9784,7 +9905,7 @@
             <a:fld id="{0972D05C-DCFB-4BB6-B49C-AC126BF3ED2C}" type="datetimeFigureOut">
               <a:rPr lang="en-US" smtClean="0"/>
               <a:pPr/>
-              <a:t>9/16/2024</a:t>
+              <a:t>10/10/2024</a:t>
             </a:fld>
             <a:endParaRPr lang="en-US"/>
           </a:p>
@@ -10039,7 +10160,7 @@
             <a:fld id="{0972D05C-DCFB-4BB6-B49C-AC126BF3ED2C}" type="datetimeFigureOut">
               <a:rPr lang="en-US" smtClean="0"/>
               <a:pPr/>
-              <a:t>9/16/2024</a:t>
+              <a:t>10/10/2024</a:t>
             </a:fld>
             <a:endParaRPr lang="en-US" dirty="0"/>
           </a:p>
@@ -10548,13 +10669,13 @@
         </p:spPr>
         <p:txBody>
           <a:bodyPr>
-            <a:normAutofit/>
+            <a:normAutofit fontScale="90000"/>
           </a:bodyPr>
           <a:lstStyle/>
           <a:p>
             <a:r>
               <a:rPr lang="en-US" dirty="0"/>
-              <a:t>Health Econometrics I </a:t>
+              <a:t>Quantitative Methods for HSR I </a:t>
             </a:r>
           </a:p>
         </p:txBody>
@@ -10589,7 +10710,7 @@
           <a:p>
             <a:r>
               <a:rPr lang="en-US" sz="2400" dirty="0"/>
-              <a:t>October 4, 2024</a:t>
+              <a:t>October 11, 2024</a:t>
             </a:r>
           </a:p>
           <a:p>
